--- a/Slides/01 - Programação de Soluções Computacionais - Algoritmos.pptx
+++ b/Slides/01 - Programação de Soluções Computacionais - Algoritmos.pptx
@@ -5,10 +5,10 @@
     <p:sldMasterId id="2147483653" r:id="rId1"/>
   </p:sldMasterIdLst>
   <p:notesMasterIdLst>
-    <p:notesMasterId r:id="rId45"/>
+    <p:notesMasterId r:id="rId47"/>
   </p:notesMasterIdLst>
   <p:handoutMasterIdLst>
-    <p:handoutMasterId r:id="rId46"/>
+    <p:handoutMasterId r:id="rId48"/>
   </p:handoutMasterIdLst>
   <p:sldIdLst>
     <p:sldId id="475" r:id="rId2"/>
@@ -54,6 +54,8 @@
     <p:sldId id="515" r:id="rId42"/>
     <p:sldId id="537" r:id="rId43"/>
     <p:sldId id="603" r:id="rId44"/>
+    <p:sldId id="607" r:id="rId45"/>
+    <p:sldId id="608" r:id="rId46"/>
   </p:sldIdLst>
   <p:sldSz cx="9144000" cy="6858000" type="screen4x3"/>
   <p:notesSz cx="7099300" cy="10234613"/>
@@ -31780,6 +31782,378 @@
 </p:sld>
 </file>
 
+<file path=ppt/slides/slide44.xml><?xml version="1.0" encoding="utf-8"?>
+<p:sld xmlns:a="http://schemas.openxmlformats.org/drawingml/2006/main" xmlns:r="http://schemas.openxmlformats.org/officeDocument/2006/relationships" xmlns:p="http://schemas.openxmlformats.org/presentationml/2006/main">
+  <p:cSld>
+    <p:spTree>
+      <p:nvGrpSpPr>
+        <p:cNvPr id="1" name=""/>
+        <p:cNvGrpSpPr/>
+        <p:nvPr/>
+      </p:nvGrpSpPr>
+      <p:grpSpPr>
+        <a:xfrm>
+          <a:off x="0" y="0"/>
+          <a:ext cx="0" cy="0"/>
+          <a:chOff x="0" y="0"/>
+          <a:chExt cx="0" cy="0"/>
+        </a:xfrm>
+      </p:grpSpPr>
+      <p:sp>
+        <p:nvSpPr>
+          <p:cNvPr id="2" name="Título 1">
+            <a:extLst>
+              <a:ext uri="{FF2B5EF4-FFF2-40B4-BE49-F238E27FC236}">
+                <a16:creationId xmlns:a16="http://schemas.microsoft.com/office/drawing/2014/main" id="{2DE46EC5-A0B1-F701-C6EA-562F8A65EE85}"/>
+              </a:ext>
+            </a:extLst>
+          </p:cNvPr>
+          <p:cNvSpPr>
+            <a:spLocks noGrp="1"/>
+          </p:cNvSpPr>
+          <p:nvPr>
+            <p:ph type="title"/>
+          </p:nvPr>
+        </p:nvSpPr>
+        <p:spPr/>
+        <p:txBody>
+          <a:bodyPr/>
+          <a:lstStyle/>
+          <a:p>
+            <a:r>
+              <a:rPr lang="pt-BR" dirty="0"/>
+              <a:t>Vetores</a:t>
+            </a:r>
+          </a:p>
+        </p:txBody>
+      </p:sp>
+      <p:sp>
+        <p:nvSpPr>
+          <p:cNvPr id="3" name="Espaço Reservado para Conteúdo 2">
+            <a:extLst>
+              <a:ext uri="{FF2B5EF4-FFF2-40B4-BE49-F238E27FC236}">
+                <a16:creationId xmlns:a16="http://schemas.microsoft.com/office/drawing/2014/main" id="{396C87BB-BD93-6DFD-2ADA-D0E7CE42E7FF}"/>
+              </a:ext>
+            </a:extLst>
+          </p:cNvPr>
+          <p:cNvSpPr>
+            <a:spLocks noGrp="1"/>
+          </p:cNvSpPr>
+          <p:nvPr>
+            <p:ph idx="1"/>
+          </p:nvPr>
+        </p:nvSpPr>
+        <p:spPr/>
+        <p:txBody>
+          <a:bodyPr/>
+          <a:lstStyle/>
+          <a:p>
+            <a:r>
+              <a:rPr lang="pt-BR" sz="2800" dirty="0"/>
+              <a:t>Os vetores são estruturas indexadas, em que cada valor que pode ser armazenado em uma certa posição (índice) é chamado de elemento do vetor.</a:t>
+            </a:r>
+          </a:p>
+          <a:p>
+            <a:pPr marL="0" indent="0">
+              <a:buNone/>
+            </a:pPr>
+            <a:endParaRPr lang="en-US" sz="1500" dirty="0">
+              <a:latin typeface="Courier New" panose="02070309020205020404" pitchFamily="49" charset="0"/>
+              <a:cs typeface="Courier New" panose="02070309020205020404" pitchFamily="49" charset="0"/>
+            </a:endParaRPr>
+          </a:p>
+          <a:p>
+            <a:pPr marL="0" indent="0">
+              <a:buNone/>
+            </a:pPr>
+            <a:r>
+              <a:rPr lang="en-US" dirty="0">
+                <a:latin typeface="Courier New" panose="02070309020205020404" pitchFamily="49" charset="0"/>
+                <a:cs typeface="Courier New" panose="02070309020205020404" pitchFamily="49" charset="0"/>
+              </a:rPr>
+              <a:t>int </a:t>
+            </a:r>
+            <a:r>
+              <a:rPr lang="en-US" dirty="0" err="1">
+                <a:latin typeface="Courier New" panose="02070309020205020404" pitchFamily="49" charset="0"/>
+                <a:cs typeface="Courier New" panose="02070309020205020404" pitchFamily="49" charset="0"/>
+              </a:rPr>
+              <a:t>vetor</a:t>
+            </a:r>
+            <a:r>
+              <a:rPr lang="en-US" dirty="0">
+                <a:latin typeface="Courier New" panose="02070309020205020404" pitchFamily="49" charset="0"/>
+                <a:cs typeface="Courier New" panose="02070309020205020404" pitchFamily="49" charset="0"/>
+              </a:rPr>
+              <a:t>[] = new int[10];</a:t>
+            </a:r>
+          </a:p>
+          <a:p>
+            <a:pPr marL="0" indent="0">
+              <a:buNone/>
+            </a:pPr>
+            <a:endParaRPr lang="en-US" sz="1500" dirty="0">
+              <a:latin typeface="Courier New" panose="02070309020205020404" pitchFamily="49" charset="0"/>
+              <a:cs typeface="Courier New" panose="02070309020205020404" pitchFamily="49" charset="0"/>
+            </a:endParaRPr>
+          </a:p>
+          <a:p>
+            <a:r>
+              <a:rPr lang="pt-BR" sz="3600" dirty="0"/>
+              <a:t>Vetores bidimensionais (ou matrizes)</a:t>
+            </a:r>
+          </a:p>
+          <a:p>
+            <a:pPr marL="0" indent="0">
+              <a:buNone/>
+            </a:pPr>
+            <a:endParaRPr lang="en-US" sz="1500" dirty="0">
+              <a:latin typeface="Courier New" panose="02070309020205020404" pitchFamily="49" charset="0"/>
+              <a:cs typeface="Courier New" panose="02070309020205020404" pitchFamily="49" charset="0"/>
+            </a:endParaRPr>
+          </a:p>
+          <a:p>
+            <a:pPr marL="0" indent="0">
+              <a:buNone/>
+            </a:pPr>
+            <a:r>
+              <a:rPr lang="en-US" dirty="0">
+                <a:latin typeface="Courier New" panose="02070309020205020404" pitchFamily="49" charset="0"/>
+                <a:cs typeface="Courier New" panose="02070309020205020404" pitchFamily="49" charset="0"/>
+              </a:rPr>
+              <a:t>int m[][] = new int[2][4];</a:t>
+            </a:r>
+            <a:endParaRPr lang="pt-BR" dirty="0">
+              <a:latin typeface="Courier New" panose="02070309020205020404" pitchFamily="49" charset="0"/>
+              <a:cs typeface="Courier New" panose="02070309020205020404" pitchFamily="49" charset="0"/>
+            </a:endParaRPr>
+          </a:p>
+        </p:txBody>
+      </p:sp>
+      <p:sp>
+        <p:nvSpPr>
+          <p:cNvPr id="4" name="Espaço Reservado para Número de Slide 3">
+            <a:extLst>
+              <a:ext uri="{FF2B5EF4-FFF2-40B4-BE49-F238E27FC236}">
+                <a16:creationId xmlns:a16="http://schemas.microsoft.com/office/drawing/2014/main" id="{BCFF14F8-6E71-4FA9-493A-B0E2DF937DD8}"/>
+              </a:ext>
+            </a:extLst>
+          </p:cNvPr>
+          <p:cNvSpPr>
+            <a:spLocks noGrp="1"/>
+          </p:cNvSpPr>
+          <p:nvPr>
+            <p:ph type="sldNum" sz="quarter" idx="11"/>
+          </p:nvPr>
+        </p:nvSpPr>
+        <p:spPr/>
+        <p:txBody>
+          <a:bodyPr/>
+          <a:lstStyle/>
+          <a:p>
+            <a:pPr>
+              <a:defRPr/>
+            </a:pPr>
+            <a:r>
+              <a:rPr lang="pt-BR"/>
+              <a:t>– </a:t>
+            </a:r>
+            <a:fld id="{D218E8F0-E508-467D-93E6-1662CD6D43A7}" type="slidenum">
+              <a:rPr lang="pt-BR" smtClean="0"/>
+              <a:pPr>
+                <a:defRPr/>
+              </a:pPr>
+              <a:t>44</a:t>
+            </a:fld>
+            <a:r>
+              <a:rPr lang="pt-BR"/>
+              <a:t> –</a:t>
+            </a:r>
+          </a:p>
+        </p:txBody>
+      </p:sp>
+    </p:spTree>
+    <p:extLst>
+      <p:ext uri="{BB962C8B-B14F-4D97-AF65-F5344CB8AC3E}">
+        <p14:creationId xmlns:p14="http://schemas.microsoft.com/office/powerpoint/2010/main" val="2507929307"/>
+      </p:ext>
+    </p:extLst>
+  </p:cSld>
+  <p:clrMapOvr>
+    <a:masterClrMapping/>
+  </p:clrMapOvr>
+</p:sld>
+</file>
+
+<file path=ppt/slides/slide45.xml><?xml version="1.0" encoding="utf-8"?>
+<p:sld xmlns:a="http://schemas.openxmlformats.org/drawingml/2006/main" xmlns:r="http://schemas.openxmlformats.org/officeDocument/2006/relationships" xmlns:p="http://schemas.openxmlformats.org/presentationml/2006/main">
+  <p:cSld>
+    <p:spTree>
+      <p:nvGrpSpPr>
+        <p:cNvPr id="1" name=""/>
+        <p:cNvGrpSpPr/>
+        <p:nvPr/>
+      </p:nvGrpSpPr>
+      <p:grpSpPr>
+        <a:xfrm>
+          <a:off x="0" y="0"/>
+          <a:ext cx="0" cy="0"/>
+          <a:chOff x="0" y="0"/>
+          <a:chExt cx="0" cy="0"/>
+        </a:xfrm>
+      </p:grpSpPr>
+      <p:sp>
+        <p:nvSpPr>
+          <p:cNvPr id="2" name="Título 1">
+            <a:extLst>
+              <a:ext uri="{FF2B5EF4-FFF2-40B4-BE49-F238E27FC236}">
+                <a16:creationId xmlns:a16="http://schemas.microsoft.com/office/drawing/2014/main" id="{AFDE440D-1AFD-F4A8-1FA5-C3D6EAC1C828}"/>
+              </a:ext>
+            </a:extLst>
+          </p:cNvPr>
+          <p:cNvSpPr>
+            <a:spLocks noGrp="1"/>
+          </p:cNvSpPr>
+          <p:nvPr>
+            <p:ph type="title"/>
+          </p:nvPr>
+        </p:nvSpPr>
+        <p:spPr/>
+        <p:txBody>
+          <a:bodyPr/>
+          <a:lstStyle/>
+          <a:p>
+            <a:r>
+              <a:rPr lang="pt-BR" dirty="0"/>
+              <a:t>Problemas – Vetores</a:t>
+            </a:r>
+          </a:p>
+        </p:txBody>
+      </p:sp>
+      <p:sp>
+        <p:nvSpPr>
+          <p:cNvPr id="3" name="Espaço Reservado para Conteúdo 2">
+            <a:extLst>
+              <a:ext uri="{FF2B5EF4-FFF2-40B4-BE49-F238E27FC236}">
+                <a16:creationId xmlns:a16="http://schemas.microsoft.com/office/drawing/2014/main" id="{F708C3BC-A110-5126-A2C1-9CB76F4C27C3}"/>
+              </a:ext>
+            </a:extLst>
+          </p:cNvPr>
+          <p:cNvSpPr>
+            <a:spLocks noGrp="1"/>
+          </p:cNvSpPr>
+          <p:nvPr>
+            <p:ph idx="1"/>
+          </p:nvPr>
+        </p:nvSpPr>
+        <p:spPr>
+          <a:xfrm>
+            <a:off x="631825" y="1340768"/>
+            <a:ext cx="8189913" cy="4906962"/>
+          </a:xfrm>
+        </p:spPr>
+        <p:txBody>
+          <a:bodyPr/>
+          <a:lstStyle/>
+          <a:p>
+            <a:pPr marL="0" indent="0">
+              <a:buNone/>
+            </a:pPr>
+            <a:r>
+              <a:rPr lang="pt-BR" sz="2400" dirty="0"/>
+              <a:t>13- Elabore um programa que leia um vetor de 10 elementos que representam 10 valores de notas (Notas com valor de 0 a 10). Calcule a média das notas e informe quantas notas estão acima da média.</a:t>
+            </a:r>
+          </a:p>
+          <a:p>
+            <a:pPr marL="0" indent="0">
+              <a:buNone/>
+            </a:pPr>
+            <a:endParaRPr lang="pt-BR" sz="2400" dirty="0"/>
+          </a:p>
+          <a:p>
+            <a:pPr marL="0" indent="0">
+              <a:buNone/>
+            </a:pPr>
+            <a:r>
+              <a:rPr lang="pt-BR" sz="2400" dirty="0"/>
+              <a:t>14 - Leia um vetor de 10 elementos inteiros e a partir da leitura de um valor inteiro qualquer verifique se este número pertence ao vetor.</a:t>
+            </a:r>
+          </a:p>
+          <a:p>
+            <a:pPr marL="0" indent="0">
+              <a:buNone/>
+            </a:pPr>
+            <a:endParaRPr lang="pt-BR" sz="2400" dirty="0"/>
+          </a:p>
+          <a:p>
+            <a:pPr marL="0" indent="0">
+              <a:buNone/>
+            </a:pPr>
+            <a:r>
+              <a:rPr lang="pt-BR" sz="2400" dirty="0"/>
+              <a:t>15 - Leia um vetor com n elementos inteiros, e organize os elementos em uma sequência invertida. </a:t>
+            </a:r>
+          </a:p>
+          <a:p>
+            <a:endParaRPr lang="pt-BR" dirty="0"/>
+          </a:p>
+        </p:txBody>
+      </p:sp>
+      <p:sp>
+        <p:nvSpPr>
+          <p:cNvPr id="4" name="Espaço Reservado para Número de Slide 3">
+            <a:extLst>
+              <a:ext uri="{FF2B5EF4-FFF2-40B4-BE49-F238E27FC236}">
+                <a16:creationId xmlns:a16="http://schemas.microsoft.com/office/drawing/2014/main" id="{2A58C204-94B6-6C16-8127-4F35E651BE3D}"/>
+              </a:ext>
+            </a:extLst>
+          </p:cNvPr>
+          <p:cNvSpPr>
+            <a:spLocks noGrp="1"/>
+          </p:cNvSpPr>
+          <p:nvPr>
+            <p:ph type="sldNum" sz="quarter" idx="11"/>
+          </p:nvPr>
+        </p:nvSpPr>
+        <p:spPr/>
+        <p:txBody>
+          <a:bodyPr/>
+          <a:lstStyle/>
+          <a:p>
+            <a:pPr>
+              <a:defRPr/>
+            </a:pPr>
+            <a:r>
+              <a:rPr lang="pt-BR"/>
+              <a:t>– </a:t>
+            </a:r>
+            <a:fld id="{D218E8F0-E508-467D-93E6-1662CD6D43A7}" type="slidenum">
+              <a:rPr lang="pt-BR" smtClean="0"/>
+              <a:pPr>
+                <a:defRPr/>
+              </a:pPr>
+              <a:t>45</a:t>
+            </a:fld>
+            <a:r>
+              <a:rPr lang="pt-BR"/>
+              <a:t> –</a:t>
+            </a:r>
+          </a:p>
+        </p:txBody>
+      </p:sp>
+    </p:spTree>
+    <p:extLst>
+      <p:ext uri="{BB962C8B-B14F-4D97-AF65-F5344CB8AC3E}">
+        <p14:creationId xmlns:p14="http://schemas.microsoft.com/office/powerpoint/2010/main" val="2070517208"/>
+      </p:ext>
+    </p:extLst>
+  </p:cSld>
+  <p:clrMapOvr>
+    <a:masterClrMapping/>
+  </p:clrMapOvr>
+</p:sld>
+</file>
+
 <file path=ppt/slides/slide5.xml><?xml version="1.0" encoding="utf-8"?>
 <p:sld xmlns:a="http://schemas.openxmlformats.org/drawingml/2006/main" xmlns:r="http://schemas.openxmlformats.org/officeDocument/2006/relationships" xmlns:p="http://schemas.openxmlformats.org/presentationml/2006/main">
   <p:cSld>
